--- a/doc/cheatsheet/Pandas_Cheat_Sheet_JA.pptx
+++ b/doc/cheatsheet/Pandas_Cheat_Sheet_JA.pptx
@@ -311,6 +311,11 @@
       </a:defRPr>
     </a:lvl9pPr>
   </p:defaultTextStyle>
+  <p:extLst>
+    <p:ext uri="{EFAFB233-063F-42B5-8137-9DF3F51BA10A}">
+      <p15:sldGuideLst xmlns:p15="http://schemas.microsoft.com/office/powerpoint/2012/main"/>
+    </p:ext>
+  </p:extLst>
 </p:presentation>
 </file>
 
@@ -2084,7 +2089,7 @@
           </a:ln>
           <a:extLst>
             <a:ext uri="{C572A759-6A51-4108-AA02-DFA0A04FC94B}">
-              <ma14:wrappingTextBoxFlag xmlns:ma14="http://schemas.microsoft.com/office/mac/drawingml/2011/main" xmlns="" val="1"/>
+              <ma14:wrappingTextBoxFlag xmlns="" xmlns:ma14="http://schemas.microsoft.com/office/mac/drawingml/2011/main" val="1"/>
             </a:ext>
           </a:extLst>
         </p:spPr>
@@ -2123,7 +2128,7 @@
           </a:ln>
           <a:extLst>
             <a:ext uri="{C572A759-6A51-4108-AA02-DFA0A04FC94B}">
-              <ma14:wrappingTextBoxFlag xmlns:ma14="http://schemas.microsoft.com/office/mac/drawingml/2011/main" xmlns="" val="1"/>
+              <ma14:wrappingTextBoxFlag xmlns="" xmlns:ma14="http://schemas.microsoft.com/office/mac/drawingml/2011/main" val="1"/>
             </a:ext>
           </a:extLst>
         </p:spPr>
@@ -3414,7 +3419,7 @@
           </a:ln>
           <a:extLst>
             <a:ext uri="{C572A759-6A51-4108-AA02-DFA0A04FC94B}">
-              <ma14:wrappingTextBoxFlag xmlns:ma14="http://schemas.microsoft.com/office/mac/drawingml/2011/main" xmlns="" val="1"/>
+              <ma14:wrappingTextBoxFlag xmlns="" xmlns:ma14="http://schemas.microsoft.com/office/mac/drawingml/2011/main" val="1"/>
             </a:ext>
           </a:extLst>
         </p:spPr>
@@ -3554,7 +3559,7 @@
             <a:effectLst/>
             <a:extLst>
               <a:ext uri="{C572A759-6A51-4108-AA02-DFA0A04FC94B}">
-                <ma14:wrappingTextBoxFlag xmlns:ma14="http://schemas.microsoft.com/office/mac/drawingml/2011/main" xmlns="" val="1"/>
+                <ma14:wrappingTextBoxFlag xmlns="" xmlns:ma14="http://schemas.microsoft.com/office/mac/drawingml/2011/main" val="1"/>
               </a:ext>
             </a:extLst>
           </p:spPr>
@@ -3709,7 +3714,7 @@
             <a:effectLst/>
             <a:extLst>
               <a:ext uri="{C572A759-6A51-4108-AA02-DFA0A04FC94B}">
-                <ma14:wrappingTextBoxFlag xmlns:ma14="http://schemas.microsoft.com/office/mac/drawingml/2011/main" xmlns="" val="1"/>
+                <ma14:wrappingTextBoxFlag xmlns="" xmlns:ma14="http://schemas.microsoft.com/office/mac/drawingml/2011/main" val="1"/>
               </a:ext>
             </a:extLst>
           </p:spPr>
@@ -3763,7 +3768,7 @@
           </a:ln>
           <a:extLst>
             <a:ext uri="{C572A759-6A51-4108-AA02-DFA0A04FC94B}">
-              <ma14:wrappingTextBoxFlag xmlns:ma14="http://schemas.microsoft.com/office/mac/drawingml/2011/main" xmlns="" val="1"/>
+              <ma14:wrappingTextBoxFlag xmlns="" xmlns:ma14="http://schemas.microsoft.com/office/mac/drawingml/2011/main" val="1"/>
             </a:ext>
           </a:extLst>
         </p:spPr>
@@ -4215,7 +4220,7 @@
           </a:ln>
           <a:extLst>
             <a:ext uri="{C572A759-6A51-4108-AA02-DFA0A04FC94B}">
-              <ma14:wrappingTextBoxFlag xmlns:ma14="http://schemas.microsoft.com/office/mac/drawingml/2011/main" xmlns="" val="1"/>
+              <ma14:wrappingTextBoxFlag xmlns="" xmlns:ma14="http://schemas.microsoft.com/office/mac/drawingml/2011/main" val="1"/>
             </a:ext>
           </a:extLst>
         </p:spPr>
@@ -4254,7 +4259,7 @@
           </a:ln>
           <a:extLst>
             <a:ext uri="{C572A759-6A51-4108-AA02-DFA0A04FC94B}">
-              <ma14:wrappingTextBoxFlag xmlns:ma14="http://schemas.microsoft.com/office/mac/drawingml/2011/main" xmlns="" val="1"/>
+              <ma14:wrappingTextBoxFlag xmlns="" xmlns:ma14="http://schemas.microsoft.com/office/mac/drawingml/2011/main" val="1"/>
             </a:ext>
           </a:extLst>
         </p:spPr>
@@ -4390,7 +4395,7 @@
           </a:ln>
           <a:extLst>
             <a:ext uri="{C572A759-6A51-4108-AA02-DFA0A04FC94B}">
-              <ma14:wrappingTextBoxFlag xmlns:ma14="http://schemas.microsoft.com/office/mac/drawingml/2011/main" xmlns="" val="1"/>
+              <ma14:wrappingTextBoxFlag xmlns="" xmlns:ma14="http://schemas.microsoft.com/office/mac/drawingml/2011/main" val="1"/>
             </a:ext>
           </a:extLst>
         </p:spPr>
@@ -4435,7 +4440,7 @@
           </a:ln>
           <a:extLst>
             <a:ext uri="{C572A759-6A51-4108-AA02-DFA0A04FC94B}">
-              <ma14:wrappingTextBoxFlag xmlns:ma14="http://schemas.microsoft.com/office/mac/drawingml/2011/main" xmlns="" val="1"/>
+              <ma14:wrappingTextBoxFlag xmlns="" xmlns:ma14="http://schemas.microsoft.com/office/mac/drawingml/2011/main" val="1"/>
             </a:ext>
           </a:extLst>
         </p:spPr>
@@ -4562,7 +4567,7 @@
             <a:effectLst/>
             <a:extLst>
               <a:ext uri="{C572A759-6A51-4108-AA02-DFA0A04FC94B}">
-                <ma14:wrappingTextBoxFlag xmlns:ma14="http://schemas.microsoft.com/office/mac/drawingml/2011/main" xmlns="" val="1"/>
+                <ma14:wrappingTextBoxFlag xmlns="" xmlns:ma14="http://schemas.microsoft.com/office/mac/drawingml/2011/main" val="1"/>
               </a:ext>
             </a:extLst>
           </p:spPr>
@@ -5042,7 +5047,7 @@
           </a:ln>
           <a:extLst>
             <a:ext uri="{C572A759-6A51-4108-AA02-DFA0A04FC94B}">
-              <ma14:wrappingTextBoxFlag xmlns:ma14="http://schemas.microsoft.com/office/mac/drawingml/2011/main" xmlns="" val="1"/>
+              <ma14:wrappingTextBoxFlag xmlns="" xmlns:ma14="http://schemas.microsoft.com/office/mac/drawingml/2011/main" val="1"/>
             </a:ext>
           </a:extLst>
         </p:spPr>
@@ -5086,7 +5091,7 @@
           </a:ln>
           <a:extLst>
             <a:ext uri="{C572A759-6A51-4108-AA02-DFA0A04FC94B}">
-              <ma14:wrappingTextBoxFlag xmlns:ma14="http://schemas.microsoft.com/office/mac/drawingml/2011/main" xmlns="" val="1"/>
+              <ma14:wrappingTextBoxFlag xmlns="" xmlns:ma14="http://schemas.microsoft.com/office/mac/drawingml/2011/main" val="1"/>
             </a:ext>
           </a:extLst>
         </p:spPr>
@@ -5130,7 +5135,7 @@
           </a:ln>
           <a:extLst>
             <a:ext uri="{C572A759-6A51-4108-AA02-DFA0A04FC94B}">
-              <ma14:wrappingTextBoxFlag xmlns:ma14="http://schemas.microsoft.com/office/mac/drawingml/2011/main" xmlns="" val="1"/>
+              <ma14:wrappingTextBoxFlag xmlns="" xmlns:ma14="http://schemas.microsoft.com/office/mac/drawingml/2011/main" val="1"/>
             </a:ext>
           </a:extLst>
         </p:spPr>
@@ -5174,7 +5179,7 @@
           </a:ln>
           <a:extLst>
             <a:ext uri="{C572A759-6A51-4108-AA02-DFA0A04FC94B}">
-              <ma14:wrappingTextBoxFlag xmlns:ma14="http://schemas.microsoft.com/office/mac/drawingml/2011/main" xmlns="" val="1"/>
+              <ma14:wrappingTextBoxFlag xmlns="" xmlns:ma14="http://schemas.microsoft.com/office/mac/drawingml/2011/main" val="1"/>
             </a:ext>
           </a:extLst>
         </p:spPr>
@@ -6118,7 +6123,7 @@
           </a:ln>
           <a:extLst>
             <a:ext uri="{C572A759-6A51-4108-AA02-DFA0A04FC94B}">
-              <ma14:wrappingTextBoxFlag xmlns:ma14="http://schemas.microsoft.com/office/mac/drawingml/2011/main" xmlns="" val="1"/>
+              <ma14:wrappingTextBoxFlag xmlns="" xmlns:ma14="http://schemas.microsoft.com/office/mac/drawingml/2011/main" val="1"/>
             </a:ext>
           </a:extLst>
         </p:spPr>
@@ -6931,7 +6936,7 @@
           </a:ln>
           <a:extLst>
             <a:ext uri="{C572A759-6A51-4108-AA02-DFA0A04FC94B}">
-              <ma14:wrappingTextBoxFlag xmlns:ma14="http://schemas.microsoft.com/office/mac/drawingml/2011/main" xmlns="" val="1"/>
+              <ma14:wrappingTextBoxFlag xmlns="" xmlns:ma14="http://schemas.microsoft.com/office/mac/drawingml/2011/main" val="1"/>
             </a:ext>
           </a:extLst>
         </p:spPr>
@@ -7556,7 +7561,7 @@
           </a:ln>
           <a:extLst>
             <a:ext uri="{C572A759-6A51-4108-AA02-DFA0A04FC94B}">
-              <ma14:wrappingTextBoxFlag xmlns:ma14="http://schemas.microsoft.com/office/mac/drawingml/2011/main" xmlns="" val="1"/>
+              <ma14:wrappingTextBoxFlag xmlns="" xmlns:ma14="http://schemas.microsoft.com/office/mac/drawingml/2011/main" val="1"/>
             </a:ext>
           </a:extLst>
         </p:spPr>
@@ -8731,7 +8736,7 @@
           </a:ln>
           <a:extLst>
             <a:ext uri="{C572A759-6A51-4108-AA02-DFA0A04FC94B}">
-              <ma14:wrappingTextBoxFlag xmlns:ma14="http://schemas.microsoft.com/office/mac/drawingml/2011/main" xmlns="" val="1"/>
+              <ma14:wrappingTextBoxFlag xmlns="" xmlns:ma14="http://schemas.microsoft.com/office/mac/drawingml/2011/main" val="1"/>
             </a:ext>
           </a:extLst>
         </p:spPr>
@@ -8926,7 +8931,7 @@
           </a:ln>
           <a:extLst>
             <a:ext uri="{C572A759-6A51-4108-AA02-DFA0A04FC94B}">
-              <ma14:wrappingTextBoxFlag xmlns:ma14="http://schemas.microsoft.com/office/mac/drawingml/2011/main" xmlns="" val="1"/>
+              <ma14:wrappingTextBoxFlag xmlns="" xmlns:ma14="http://schemas.microsoft.com/office/mac/drawingml/2011/main" val="1"/>
             </a:ext>
           </a:extLst>
         </p:spPr>
@@ -9178,7 +9183,7 @@
             <a:effectLst/>
             <a:extLst>
               <a:ext uri="{C572A759-6A51-4108-AA02-DFA0A04FC94B}">
-                <ma14:wrappingTextBoxFlag xmlns:ma14="http://schemas.microsoft.com/office/mac/drawingml/2011/main" xmlns="" val="1"/>
+                <ma14:wrappingTextBoxFlag xmlns="" xmlns:ma14="http://schemas.microsoft.com/office/mac/drawingml/2011/main" val="1"/>
               </a:ext>
             </a:extLst>
           </p:spPr>
@@ -9284,7 +9289,7 @@
             <a:effectLst/>
             <a:extLst>
               <a:ext uri="{C572A759-6A51-4108-AA02-DFA0A04FC94B}">
-                <ma14:wrappingTextBoxFlag xmlns:ma14="http://schemas.microsoft.com/office/mac/drawingml/2011/main" xmlns="" val="1"/>
+                <ma14:wrappingTextBoxFlag xmlns="" xmlns:ma14="http://schemas.microsoft.com/office/mac/drawingml/2011/main" val="1"/>
               </a:ext>
             </a:extLst>
           </p:spPr>
@@ -10013,7 +10018,7 @@
           </a:ln>
           <a:extLst>
             <a:ext uri="{C572A759-6A51-4108-AA02-DFA0A04FC94B}">
-              <ma14:wrappingTextBoxFlag xmlns:ma14="http://schemas.microsoft.com/office/mac/drawingml/2011/main" xmlns="" val="1"/>
+              <ma14:wrappingTextBoxFlag xmlns="" xmlns:ma14="http://schemas.microsoft.com/office/mac/drawingml/2011/main" val="1"/>
             </a:ext>
           </a:extLst>
         </p:spPr>
@@ -11207,7 +11212,7 @@
           </a:ln>
           <a:extLst>
             <a:ext uri="{C572A759-6A51-4108-AA02-DFA0A04FC94B}">
-              <ma14:wrappingTextBoxFlag xmlns:ma14="http://schemas.microsoft.com/office/mac/drawingml/2011/main" xmlns="" val="1"/>
+              <ma14:wrappingTextBoxFlag xmlns="" xmlns:ma14="http://schemas.microsoft.com/office/mac/drawingml/2011/main" val="1"/>
             </a:ext>
           </a:extLst>
         </p:spPr>
@@ -11250,7 +11255,7 @@
           </a:ln>
           <a:extLst>
             <a:ext uri="{C572A759-6A51-4108-AA02-DFA0A04FC94B}">
-              <ma14:wrappingTextBoxFlag xmlns:ma14="http://schemas.microsoft.com/office/mac/drawingml/2011/main" xmlns="" val="1"/>
+              <ma14:wrappingTextBoxFlag xmlns="" xmlns:ma14="http://schemas.microsoft.com/office/mac/drawingml/2011/main" val="1"/>
             </a:ext>
           </a:extLst>
         </p:spPr>
@@ -11484,7 +11489,7 @@
             <a:effectLst/>
             <a:extLst>
               <a:ext uri="{C572A759-6A51-4108-AA02-DFA0A04FC94B}">
-                <ma14:wrappingTextBoxFlag xmlns:ma14="http://schemas.microsoft.com/office/mac/drawingml/2011/main" xmlns="" val="1"/>
+                <ma14:wrappingTextBoxFlag xmlns="" xmlns:ma14="http://schemas.microsoft.com/office/mac/drawingml/2011/main" val="1"/>
               </a:ext>
             </a:extLst>
           </p:spPr>
@@ -11569,7 +11574,7 @@
           </a:ln>
           <a:extLst>
             <a:ext uri="{C572A759-6A51-4108-AA02-DFA0A04FC94B}">
-              <ma14:wrappingTextBoxFlag xmlns:ma14="http://schemas.microsoft.com/office/mac/drawingml/2011/main" xmlns="" val="1"/>
+              <ma14:wrappingTextBoxFlag xmlns="" xmlns:ma14="http://schemas.microsoft.com/office/mac/drawingml/2011/main" val="1"/>
             </a:ext>
           </a:extLst>
         </p:spPr>
@@ -12592,7 +12597,7 @@
           </a:ln>
           <a:extLst>
             <a:ext uri="{C572A759-6A51-4108-AA02-DFA0A04FC94B}">
-              <ma14:wrappingTextBoxFlag xmlns:ma14="http://schemas.microsoft.com/office/mac/drawingml/2011/main" xmlns="" val="1"/>
+              <ma14:wrappingTextBoxFlag xmlns="" xmlns:ma14="http://schemas.microsoft.com/office/mac/drawingml/2011/main" val="1"/>
             </a:ext>
           </a:extLst>
         </p:spPr>
@@ -13730,7 +13735,7 @@
           </a:ln>
           <a:extLst>
             <a:ext uri="{C572A759-6A51-4108-AA02-DFA0A04FC94B}">
-              <ma14:wrappingTextBoxFlag xmlns:ma14="http://schemas.microsoft.com/office/mac/drawingml/2011/main" xmlns="" val="1"/>
+              <ma14:wrappingTextBoxFlag xmlns="" xmlns:ma14="http://schemas.microsoft.com/office/mac/drawingml/2011/main" val="1"/>
             </a:ext>
           </a:extLst>
         </p:spPr>
@@ -14893,7 +14898,7 @@
           </a:ln>
           <a:extLst>
             <a:ext uri="{C572A759-6A51-4108-AA02-DFA0A04FC94B}">
-              <ma14:wrappingTextBoxFlag xmlns:ma14="http://schemas.microsoft.com/office/mac/drawingml/2011/main" xmlns="" val="1"/>
+              <ma14:wrappingTextBoxFlag xmlns="" xmlns:ma14="http://schemas.microsoft.com/office/mac/drawingml/2011/main" val="1"/>
             </a:ext>
           </a:extLst>
         </p:spPr>
@@ -15005,7 +15010,7 @@
           </a:ln>
           <a:extLst>
             <a:ext uri="{C572A759-6A51-4108-AA02-DFA0A04FC94B}">
-              <ma14:wrappingTextBoxFlag xmlns:ma14="http://schemas.microsoft.com/office/mac/drawingml/2011/main" xmlns="" val="1"/>
+              <ma14:wrappingTextBoxFlag xmlns="" xmlns:ma14="http://schemas.microsoft.com/office/mac/drawingml/2011/main" val="1"/>
             </a:ext>
           </a:extLst>
         </p:spPr>
@@ -15096,7 +15101,13 @@
         <p:nvGraphicFramePr>
           <p:cNvPr id="197" name="Table 84"/>
           <p:cNvGraphicFramePr/>
-          <p:nvPr/>
+          <p:nvPr>
+            <p:extLst>
+              <p:ext uri="{D42A27DB-BD31-4B8C-83A1-F6EECF244321}">
+                <p14:modId xmlns:p14="http://schemas.microsoft.com/office/powerpoint/2010/main" val="503288205"/>
+              </p:ext>
+            </p:extLst>
+          </p:nvPr>
         </p:nvGraphicFramePr>
         <p:xfrm>
           <a:off x="8997522" y="8108900"/>
@@ -15555,7 +15566,7 @@
                           <a:cs typeface="Consolas"/>
                           <a:sym typeface="Consolas"/>
                         </a:rPr>
-                        <a:t>''^(?!Species$).*'</a:t>
+                        <a:t>'^(?!Species$).*'</a:t>
                       </a:r>
                     </a:p>
                   </a:txBody>
@@ -15592,9 +15603,10 @@
                     <a:p>
                       <a:pPr algn="l" defTabSz="1397202"/>
                       <a:r>
-                        <a:rPr sz="900"/>
+                        <a:rPr sz="900" dirty="0" err="1"/>
                         <a:t>Species’以外の文字列とマッチ</a:t>
                       </a:r>
+                      <a:endParaRPr sz="900" dirty="0"/>
                     </a:p>
                   </a:txBody>
                   <a:tcPr marL="45720" marR="45720" horzOverflow="overflow">
@@ -15652,7 +15664,7 @@
           </a:ln>
           <a:extLst>
             <a:ext uri="{C572A759-6A51-4108-AA02-DFA0A04FC94B}">
-              <ma14:wrappingTextBoxFlag xmlns:ma14="http://schemas.microsoft.com/office/mac/drawingml/2011/main" xmlns="" val="1"/>
+              <ma14:wrappingTextBoxFlag xmlns="" xmlns:ma14="http://schemas.microsoft.com/office/mac/drawingml/2011/main" val="1"/>
             </a:ext>
           </a:extLst>
         </p:spPr>
@@ -15995,7 +16007,7 @@
             <a:effectLst/>
             <a:extLst>
               <a:ext uri="{C572A759-6A51-4108-AA02-DFA0A04FC94B}">
-                <ma14:wrappingTextBoxFlag xmlns:ma14="http://schemas.microsoft.com/office/mac/drawingml/2011/main" xmlns="" val="1"/>
+                <ma14:wrappingTextBoxFlag xmlns="" xmlns:ma14="http://schemas.microsoft.com/office/mac/drawingml/2011/main" val="1"/>
               </a:ext>
             </a:extLst>
           </p:spPr>
@@ -16101,7 +16113,7 @@
             <a:effectLst/>
             <a:extLst>
               <a:ext uri="{C572A759-6A51-4108-AA02-DFA0A04FC94B}">
-                <ma14:wrappingTextBoxFlag xmlns:ma14="http://schemas.microsoft.com/office/mac/drawingml/2011/main" xmlns="" val="1"/>
+                <ma14:wrappingTextBoxFlag xmlns="" xmlns:ma14="http://schemas.microsoft.com/office/mac/drawingml/2011/main" val="1"/>
               </a:ext>
             </a:extLst>
           </p:spPr>
@@ -16207,7 +16219,7 @@
             <a:effectLst/>
             <a:extLst>
               <a:ext uri="{C572A759-6A51-4108-AA02-DFA0A04FC94B}">
-                <ma14:wrappingTextBoxFlag xmlns:ma14="http://schemas.microsoft.com/office/mac/drawingml/2011/main" xmlns="" val="1"/>
+                <ma14:wrappingTextBoxFlag xmlns="" xmlns:ma14="http://schemas.microsoft.com/office/mac/drawingml/2011/main" val="1"/>
               </a:ext>
             </a:extLst>
           </p:spPr>
@@ -16251,7 +16263,7 @@
           </a:ln>
           <a:extLst>
             <a:ext uri="{C572A759-6A51-4108-AA02-DFA0A04FC94B}">
-              <ma14:wrappingTextBoxFlag xmlns:ma14="http://schemas.microsoft.com/office/mac/drawingml/2011/main" xmlns="" val="1"/>
+              <ma14:wrappingTextBoxFlag xmlns="" xmlns:ma14="http://schemas.microsoft.com/office/mac/drawingml/2011/main" val="1"/>
             </a:ext>
           </a:extLst>
         </p:spPr>
@@ -16378,7 +16390,7 @@
         </p:nvGraphicFramePr>
         <p:xfrm>
           <a:off x="838982" y="2013426"/>
-          <a:ext cx="1097281" cy="548641"/>
+          <a:ext cx="1097280" cy="548640"/>
         </p:xfrm>
         <a:graphic>
           <a:graphicData uri="http://schemas.openxmlformats.org/drawingml/2006/table">
@@ -16728,7 +16740,7 @@
         </p:nvGraphicFramePr>
         <p:xfrm>
           <a:off x="2616518" y="2013426"/>
-          <a:ext cx="548641" cy="548641"/>
+          <a:ext cx="548640" cy="548640"/>
         </p:xfrm>
         <a:graphic>
           <a:graphicData uri="http://schemas.openxmlformats.org/drawingml/2006/table">
@@ -16969,7 +16981,7 @@
           </a:ln>
           <a:extLst>
             <a:ext uri="{C572A759-6A51-4108-AA02-DFA0A04FC94B}">
-              <ma14:wrappingTextBoxFlag xmlns:ma14="http://schemas.microsoft.com/office/mac/drawingml/2011/main" xmlns="" val="1"/>
+              <ma14:wrappingTextBoxFlag xmlns="" xmlns:ma14="http://schemas.microsoft.com/office/mac/drawingml/2011/main" val="1"/>
             </a:ext>
           </a:extLst>
         </p:spPr>
@@ -17017,7 +17029,7 @@
           </a:ln>
           <a:extLst>
             <a:ext uri="{C572A759-6A51-4108-AA02-DFA0A04FC94B}">
-              <ma14:wrappingTextBoxFlag xmlns:ma14="http://schemas.microsoft.com/office/mac/drawingml/2011/main" xmlns="" val="1"/>
+              <ma14:wrappingTextBoxFlag xmlns="" xmlns:ma14="http://schemas.microsoft.com/office/mac/drawingml/2011/main" val="1"/>
             </a:ext>
           </a:extLst>
         </p:spPr>
@@ -17189,7 +17201,7 @@
           </a:ln>
           <a:extLst>
             <a:ext uri="{C572A759-6A51-4108-AA02-DFA0A04FC94B}">
-              <ma14:wrappingTextBoxFlag xmlns:ma14="http://schemas.microsoft.com/office/mac/drawingml/2011/main" xmlns="" val="1"/>
+              <ma14:wrappingTextBoxFlag xmlns="" xmlns:ma14="http://schemas.microsoft.com/office/mac/drawingml/2011/main" val="1"/>
             </a:ext>
           </a:extLst>
         </p:spPr>
@@ -17343,7 +17355,7 @@
         </p:nvGraphicFramePr>
         <p:xfrm>
           <a:off x="5636364" y="1832099"/>
-          <a:ext cx="921133" cy="479896"/>
+          <a:ext cx="921128" cy="609600"/>
         </p:xfrm>
         <a:graphic>
           <a:graphicData uri="http://schemas.openxmlformats.org/drawingml/2006/table">
@@ -17772,7 +17784,7 @@
         </p:nvGraphicFramePr>
         <p:xfrm>
           <a:off x="7237824" y="1832590"/>
-          <a:ext cx="1151416" cy="479896"/>
+          <a:ext cx="1151410" cy="609600"/>
         </p:xfrm>
         <a:graphic>
           <a:graphicData uri="http://schemas.openxmlformats.org/drawingml/2006/table">
@@ -18338,7 +18350,7 @@
           </a:ln>
           <a:extLst>
             <a:ext uri="{C572A759-6A51-4108-AA02-DFA0A04FC94B}">
-              <ma14:wrappingTextBoxFlag xmlns:ma14="http://schemas.microsoft.com/office/mac/drawingml/2011/main" xmlns="" val="1"/>
+              <ma14:wrappingTextBoxFlag xmlns="" xmlns:ma14="http://schemas.microsoft.com/office/mac/drawingml/2011/main" val="1"/>
             </a:ext>
           </a:extLst>
         </p:spPr>
@@ -18452,7 +18464,7 @@
         </p:nvGraphicFramePr>
         <p:xfrm>
           <a:off x="4803118" y="3700455"/>
-          <a:ext cx="690850" cy="479896"/>
+          <a:ext cx="690846" cy="609600"/>
         </p:xfrm>
         <a:graphic>
           <a:graphicData uri="http://schemas.openxmlformats.org/drawingml/2006/table">
@@ -18785,7 +18797,7 @@
         </p:nvGraphicFramePr>
         <p:xfrm>
           <a:off x="6338494" y="3700455"/>
-          <a:ext cx="690850" cy="479896"/>
+          <a:ext cx="690846" cy="609600"/>
         </p:xfrm>
         <a:graphic>
           <a:graphicData uri="http://schemas.openxmlformats.org/drawingml/2006/table">
@@ -19118,7 +19130,7 @@
         </p:nvGraphicFramePr>
         <p:xfrm>
           <a:off x="8501481" y="3700455"/>
-          <a:ext cx="460567" cy="479896"/>
+          <a:ext cx="460564" cy="609600"/>
         </p:xfrm>
         <a:graphic>
           <a:graphicData uri="http://schemas.openxmlformats.org/drawingml/2006/table">
@@ -19359,7 +19371,7 @@
         </p:nvGraphicFramePr>
         <p:xfrm>
           <a:off x="7240440" y="3700455"/>
-          <a:ext cx="460567" cy="479896"/>
+          <a:ext cx="460564" cy="609600"/>
         </p:xfrm>
         <a:graphic>
           <a:graphicData uri="http://schemas.openxmlformats.org/drawingml/2006/table">
@@ -19682,7 +19694,7 @@
             <a:effectLst/>
             <a:extLst>
               <a:ext uri="{C572A759-6A51-4108-AA02-DFA0A04FC94B}">
-                <ma14:wrappingTextBoxFlag xmlns:ma14="http://schemas.microsoft.com/office/mac/drawingml/2011/main" xmlns="" val="1"/>
+                <ma14:wrappingTextBoxFlag xmlns="" xmlns:ma14="http://schemas.microsoft.com/office/mac/drawingml/2011/main" val="1"/>
               </a:ext>
             </a:extLst>
           </p:spPr>
@@ -19814,7 +19826,7 @@
             <a:effectLst/>
             <a:extLst>
               <a:ext uri="{C572A759-6A51-4108-AA02-DFA0A04FC94B}">
-                <ma14:wrappingTextBoxFlag xmlns:ma14="http://schemas.microsoft.com/office/mac/drawingml/2011/main" xmlns="" val="1"/>
+                <ma14:wrappingTextBoxFlag xmlns="" xmlns:ma14="http://schemas.microsoft.com/office/mac/drawingml/2011/main" val="1"/>
               </a:ext>
             </a:extLst>
           </p:spPr>
@@ -19875,7 +19887,7 @@
           </a:ln>
           <a:extLst>
             <a:ext uri="{C572A759-6A51-4108-AA02-DFA0A04FC94B}">
-              <ma14:wrappingTextBoxFlag xmlns:ma14="http://schemas.microsoft.com/office/mac/drawingml/2011/main" xmlns="" val="1"/>
+              <ma14:wrappingTextBoxFlag xmlns="" xmlns:ma14="http://schemas.microsoft.com/office/mac/drawingml/2011/main" val="1"/>
             </a:ext>
           </a:extLst>
         </p:spPr>
@@ -19923,7 +19935,7 @@
           </a:ln>
           <a:extLst>
             <a:ext uri="{C572A759-6A51-4108-AA02-DFA0A04FC94B}">
-              <ma14:wrappingTextBoxFlag xmlns:ma14="http://schemas.microsoft.com/office/mac/drawingml/2011/main" xmlns="" val="1"/>
+              <ma14:wrappingTextBoxFlag xmlns="" xmlns:ma14="http://schemas.microsoft.com/office/mac/drawingml/2011/main" val="1"/>
             </a:ext>
           </a:extLst>
         </p:spPr>
@@ -20113,7 +20125,7 @@
           </a:ln>
           <a:extLst>
             <a:ext uri="{C572A759-6A51-4108-AA02-DFA0A04FC94B}">
-              <ma14:wrappingTextBoxFlag xmlns:ma14="http://schemas.microsoft.com/office/mac/drawingml/2011/main" xmlns="" val="1"/>
+              <ma14:wrappingTextBoxFlag xmlns="" xmlns:ma14="http://schemas.microsoft.com/office/mac/drawingml/2011/main" val="1"/>
             </a:ext>
           </a:extLst>
         </p:spPr>
@@ -20263,7 +20275,7 @@
         </p:nvGraphicFramePr>
         <p:xfrm>
           <a:off x="10192629" y="868228"/>
-          <a:ext cx="574041" cy="952501"/>
+          <a:ext cx="561340" cy="731520"/>
         </p:xfrm>
         <a:graphic>
           <a:graphicData uri="http://schemas.openxmlformats.org/drawingml/2006/table">
@@ -20479,7 +20491,7 @@
         </p:nvGraphicFramePr>
         <p:xfrm>
           <a:off x="11528032" y="855528"/>
-          <a:ext cx="544731" cy="952501"/>
+          <a:ext cx="532030" cy="731520"/>
         </p:xfrm>
         <a:graphic>
           <a:graphicData uri="http://schemas.openxmlformats.org/drawingml/2006/table">
@@ -20883,7 +20895,7 @@
           </a:ln>
           <a:extLst>
             <a:ext uri="{C572A759-6A51-4108-AA02-DFA0A04FC94B}">
-              <ma14:wrappingTextBoxFlag xmlns:ma14="http://schemas.microsoft.com/office/mac/drawingml/2011/main" xmlns="" val="1"/>
+              <ma14:wrappingTextBoxFlag xmlns="" xmlns:ma14="http://schemas.microsoft.com/office/mac/drawingml/2011/main" val="1"/>
             </a:ext>
           </a:extLst>
         </p:spPr>
@@ -20930,7 +20942,7 @@
           </a:ln>
           <a:extLst>
             <a:ext uri="{C572A759-6A51-4108-AA02-DFA0A04FC94B}">
-              <ma14:wrappingTextBoxFlag xmlns:ma14="http://schemas.microsoft.com/office/mac/drawingml/2011/main" xmlns="" val="1"/>
+              <ma14:wrappingTextBoxFlag xmlns="" xmlns:ma14="http://schemas.microsoft.com/office/mac/drawingml/2011/main" val="1"/>
             </a:ext>
           </a:extLst>
         </p:spPr>
@@ -20977,7 +20989,7 @@
           </a:ln>
           <a:extLst>
             <a:ext uri="{C572A759-6A51-4108-AA02-DFA0A04FC94B}">
-              <ma14:wrappingTextBoxFlag xmlns:ma14="http://schemas.microsoft.com/office/mac/drawingml/2011/main" xmlns="" val="1"/>
+              <ma14:wrappingTextBoxFlag xmlns="" xmlns:ma14="http://schemas.microsoft.com/office/mac/drawingml/2011/main" val="1"/>
             </a:ext>
           </a:extLst>
         </p:spPr>
@@ -21038,7 +21050,7 @@
         </p:nvGraphicFramePr>
         <p:xfrm>
           <a:off x="9403049" y="1895321"/>
-          <a:ext cx="1122681" cy="804528"/>
+          <a:ext cx="1109979" cy="791826"/>
         </p:xfrm>
         <a:graphic>
           <a:graphicData uri="http://schemas.openxmlformats.org/drawingml/2006/table">
@@ -21337,7 +21349,7 @@
         </p:nvGraphicFramePr>
         <p:xfrm>
           <a:off x="9403049" y="2729021"/>
-          <a:ext cx="1122681" cy="800101"/>
+          <a:ext cx="1109979" cy="787417"/>
         </p:xfrm>
         <a:graphic>
           <a:graphicData uri="http://schemas.openxmlformats.org/drawingml/2006/table">
@@ -21636,7 +21648,7 @@
         </p:nvGraphicFramePr>
         <p:xfrm>
           <a:off x="9396015" y="3562722"/>
-          <a:ext cx="1136749" cy="609601"/>
+          <a:ext cx="1124046" cy="598713"/>
         </p:xfrm>
         <a:graphic>
           <a:graphicData uri="http://schemas.openxmlformats.org/drawingml/2006/table">
@@ -21874,7 +21886,7 @@
         </p:nvGraphicFramePr>
         <p:xfrm>
           <a:off x="9395745" y="4214891"/>
-          <a:ext cx="1149449" cy="1320801"/>
+          <a:ext cx="1136745" cy="914400"/>
         </p:xfrm>
         <a:graphic>
           <a:graphicData uri="http://schemas.openxmlformats.org/drawingml/2006/table">
@@ -22245,7 +22257,7 @@
           </a:ln>
           <a:extLst>
             <a:ext uri="{C572A759-6A51-4108-AA02-DFA0A04FC94B}">
-              <ma14:wrappingTextBoxFlag xmlns:ma14="http://schemas.microsoft.com/office/mac/drawingml/2011/main" xmlns="" val="1"/>
+              <ma14:wrappingTextBoxFlag xmlns="" xmlns:ma14="http://schemas.microsoft.com/office/mac/drawingml/2011/main" val="1"/>
             </a:ext>
           </a:extLst>
         </p:spPr>
@@ -22445,7 +22457,7 @@
           </a:ln>
           <a:extLst>
             <a:ext uri="{C572A759-6A51-4108-AA02-DFA0A04FC94B}">
-              <ma14:wrappingTextBoxFlag xmlns:ma14="http://schemas.microsoft.com/office/mac/drawingml/2011/main" xmlns="" val="1"/>
+              <ma14:wrappingTextBoxFlag xmlns="" xmlns:ma14="http://schemas.microsoft.com/office/mac/drawingml/2011/main" val="1"/>
             </a:ext>
           </a:extLst>
         </p:spPr>
@@ -22506,7 +22518,7 @@
         </p:nvGraphicFramePr>
         <p:xfrm>
           <a:off x="9388901" y="5453588"/>
-          <a:ext cx="557431" cy="762001"/>
+          <a:ext cx="544730" cy="548640"/>
         </p:xfrm>
         <a:graphic>
           <a:graphicData uri="http://schemas.openxmlformats.org/drawingml/2006/table">
@@ -22679,7 +22691,7 @@
         </p:nvGraphicFramePr>
         <p:xfrm>
           <a:off x="9388901" y="6087809"/>
-          <a:ext cx="557431" cy="419101"/>
+          <a:ext cx="544730" cy="408214"/>
         </p:xfrm>
         <a:graphic>
           <a:graphicData uri="http://schemas.openxmlformats.org/drawingml/2006/table">
@@ -22820,7 +22832,7 @@
           </a:ln>
           <a:extLst>
             <a:ext uri="{C572A759-6A51-4108-AA02-DFA0A04FC94B}">
-              <ma14:wrappingTextBoxFlag xmlns:ma14="http://schemas.microsoft.com/office/mac/drawingml/2011/main" xmlns="" val="1"/>
+              <ma14:wrappingTextBoxFlag xmlns="" xmlns:ma14="http://schemas.microsoft.com/office/mac/drawingml/2011/main" val="1"/>
             </a:ext>
           </a:extLst>
         </p:spPr>
@@ -22933,7 +22945,7 @@
         </p:nvGraphicFramePr>
         <p:xfrm>
           <a:off x="10126291" y="6975877"/>
-          <a:ext cx="574041" cy="952501"/>
+          <a:ext cx="561340" cy="731520"/>
         </p:xfrm>
         <a:graphic>
           <a:graphicData uri="http://schemas.openxmlformats.org/drawingml/2006/table">
@@ -23149,7 +23161,7 @@
         </p:nvGraphicFramePr>
         <p:xfrm>
           <a:off x="11436294" y="6975877"/>
-          <a:ext cx="574041" cy="800101"/>
+          <a:ext cx="561340" cy="787400"/>
         </p:xfrm>
         <a:graphic>
           <a:graphicData uri="http://schemas.openxmlformats.org/drawingml/2006/table">
@@ -23553,7 +23565,7 @@
           </a:ln>
           <a:extLst>
             <a:ext uri="{C572A759-6A51-4108-AA02-DFA0A04FC94B}">
-              <ma14:wrappingTextBoxFlag xmlns:ma14="http://schemas.microsoft.com/office/mac/drawingml/2011/main" xmlns="" val="1"/>
+              <ma14:wrappingTextBoxFlag xmlns="" xmlns:ma14="http://schemas.microsoft.com/office/mac/drawingml/2011/main" val="1"/>
             </a:ext>
           </a:extLst>
         </p:spPr>
@@ -23600,7 +23612,7 @@
           </a:ln>
           <a:extLst>
             <a:ext uri="{C572A759-6A51-4108-AA02-DFA0A04FC94B}">
-              <ma14:wrappingTextBoxFlag xmlns:ma14="http://schemas.microsoft.com/office/mac/drawingml/2011/main" xmlns="" val="1"/>
+              <ma14:wrappingTextBoxFlag xmlns="" xmlns:ma14="http://schemas.microsoft.com/office/mac/drawingml/2011/main" val="1"/>
             </a:ext>
           </a:extLst>
         </p:spPr>
@@ -23647,7 +23659,7 @@
           </a:ln>
           <a:extLst>
             <a:ext uri="{C572A759-6A51-4108-AA02-DFA0A04FC94B}">
-              <ma14:wrappingTextBoxFlag xmlns:ma14="http://schemas.microsoft.com/office/mac/drawingml/2011/main" xmlns="" val="1"/>
+              <ma14:wrappingTextBoxFlag xmlns="" xmlns:ma14="http://schemas.microsoft.com/office/mac/drawingml/2011/main" val="1"/>
             </a:ext>
           </a:extLst>
         </p:spPr>
@@ -23708,7 +23720,7 @@
         </p:nvGraphicFramePr>
         <p:xfrm>
           <a:off x="9446545" y="8075897"/>
-          <a:ext cx="761012" cy="762001"/>
+          <a:ext cx="748310" cy="548640"/>
         </p:xfrm>
         <a:graphic>
           <a:graphicData uri="http://schemas.openxmlformats.org/drawingml/2006/table">
@@ -23881,7 +23893,7 @@
         </p:nvGraphicFramePr>
         <p:xfrm>
           <a:off x="9452401" y="8761714"/>
-          <a:ext cx="745020" cy="990601"/>
+          <a:ext cx="732318" cy="979710"/>
         </p:xfrm>
         <a:graphic>
           <a:graphicData uri="http://schemas.openxmlformats.org/drawingml/2006/table">
@@ -24140,7 +24152,7 @@
         </p:nvGraphicFramePr>
         <p:xfrm>
           <a:off x="9452706" y="9837424"/>
-          <a:ext cx="745020" cy="571501"/>
+          <a:ext cx="732318" cy="365760"/>
         </p:xfrm>
         <a:graphic>
           <a:graphicData uri="http://schemas.openxmlformats.org/drawingml/2006/table">
@@ -24281,7 +24293,7 @@
           </a:ln>
           <a:extLst>
             <a:ext uri="{C572A759-6A51-4108-AA02-DFA0A04FC94B}">
-              <ma14:wrappingTextBoxFlag xmlns:ma14="http://schemas.microsoft.com/office/mac/drawingml/2011/main" xmlns="" val="1"/>
+              <ma14:wrappingTextBoxFlag xmlns="" xmlns:ma14="http://schemas.microsoft.com/office/mac/drawingml/2011/main" val="1"/>
             </a:ext>
           </a:extLst>
         </p:spPr>
@@ -24492,7 +24504,7 @@
             <a:effectLst/>
             <a:extLst>
               <a:ext uri="{C572A759-6A51-4108-AA02-DFA0A04FC94B}">
-                <ma14:wrappingTextBoxFlag xmlns:ma14="http://schemas.microsoft.com/office/mac/drawingml/2011/main" xmlns="" val="1"/>
+                <ma14:wrappingTextBoxFlag xmlns="" xmlns:ma14="http://schemas.microsoft.com/office/mac/drawingml/2011/main" val="1"/>
               </a:ext>
             </a:extLst>
           </p:spPr>
@@ -24525,7 +24537,7 @@
         </p:nvGraphicFramePr>
         <p:xfrm>
           <a:off x="181877" y="6251094"/>
-          <a:ext cx="719620" cy="1371601"/>
+          <a:ext cx="719619" cy="1371600"/>
         </p:xfrm>
         <a:graphic>
           <a:graphicData uri="http://schemas.openxmlformats.org/drawingml/2006/table">
@@ -25178,7 +25190,7 @@
         </p:nvGraphicFramePr>
         <p:xfrm>
           <a:off x="1406503" y="6594640"/>
-          <a:ext cx="719620" cy="548641"/>
+          <a:ext cx="719619" cy="548640"/>
         </p:xfrm>
         <a:graphic>
           <a:graphicData uri="http://schemas.openxmlformats.org/drawingml/2006/table">
@@ -25464,7 +25476,7 @@
           </a:ln>
           <a:extLst>
             <a:ext uri="{C572A759-6A51-4108-AA02-DFA0A04FC94B}">
-              <ma14:wrappingTextBoxFlag xmlns:ma14="http://schemas.microsoft.com/office/mac/drawingml/2011/main" xmlns="" val="1"/>
+              <ma14:wrappingTextBoxFlag xmlns="" xmlns:ma14="http://schemas.microsoft.com/office/mac/drawingml/2011/main" val="1"/>
             </a:ext>
           </a:extLst>
         </p:spPr>
@@ -25554,7 +25566,7 @@
           </a:ln>
           <a:extLst>
             <a:ext uri="{C572A759-6A51-4108-AA02-DFA0A04FC94B}">
-              <ma14:wrappingTextBoxFlag xmlns:ma14="http://schemas.microsoft.com/office/mac/drawingml/2011/main" xmlns="" val="1"/>
+              <ma14:wrappingTextBoxFlag xmlns="" xmlns:ma14="http://schemas.microsoft.com/office/mac/drawingml/2011/main" val="1"/>
             </a:ext>
           </a:extLst>
         </p:spPr>
@@ -25596,7 +25608,7 @@
           </a:ln>
           <a:extLst>
             <a:ext uri="{C572A759-6A51-4108-AA02-DFA0A04FC94B}">
-              <ma14:wrappingTextBoxFlag xmlns:ma14="http://schemas.microsoft.com/office/mac/drawingml/2011/main" xmlns="" val="1"/>
+              <ma14:wrappingTextBoxFlag xmlns="" xmlns:ma14="http://schemas.microsoft.com/office/mac/drawingml/2011/main" val="1"/>
             </a:ext>
           </a:extLst>
         </p:spPr>
@@ -25680,7 +25692,7 @@
           </a:ln>
           <a:extLst>
             <a:ext uri="{C572A759-6A51-4108-AA02-DFA0A04FC94B}">
-              <ma14:wrappingTextBoxFlag xmlns:ma14="http://schemas.microsoft.com/office/mac/drawingml/2011/main" xmlns="" val="1"/>
+              <ma14:wrappingTextBoxFlag xmlns="" xmlns:ma14="http://schemas.microsoft.com/office/mac/drawingml/2011/main" val="1"/>
             </a:ext>
           </a:extLst>
         </p:spPr>
@@ -25764,7 +25776,7 @@
           </a:ln>
           <a:extLst>
             <a:ext uri="{C572A759-6A51-4108-AA02-DFA0A04FC94B}">
-              <ma14:wrappingTextBoxFlag xmlns:ma14="http://schemas.microsoft.com/office/mac/drawingml/2011/main" xmlns="" val="1"/>
+              <ma14:wrappingTextBoxFlag xmlns="" xmlns:ma14="http://schemas.microsoft.com/office/mac/drawingml/2011/main" val="1"/>
             </a:ext>
           </a:extLst>
         </p:spPr>
@@ -25868,7 +25880,7 @@
             <a:effectLst/>
             <a:extLst>
               <a:ext uri="{C572A759-6A51-4108-AA02-DFA0A04FC94B}">
-                <ma14:wrappingTextBoxFlag xmlns:ma14="http://schemas.microsoft.com/office/mac/drawingml/2011/main" xmlns="" val="1"/>
+                <ma14:wrappingTextBoxFlag xmlns="" xmlns:ma14="http://schemas.microsoft.com/office/mac/drawingml/2011/main" val="1"/>
               </a:ext>
             </a:extLst>
           </p:spPr>
@@ -25912,7 +25924,7 @@
           </a:ln>
           <a:extLst>
             <a:ext uri="{C572A759-6A51-4108-AA02-DFA0A04FC94B}">
-              <ma14:wrappingTextBoxFlag xmlns:ma14="http://schemas.microsoft.com/office/mac/drawingml/2011/main" xmlns="" val="1"/>
+              <ma14:wrappingTextBoxFlag xmlns="" xmlns:ma14="http://schemas.microsoft.com/office/mac/drawingml/2011/main" val="1"/>
             </a:ext>
           </a:extLst>
         </p:spPr>
@@ -26013,7 +26025,7 @@
           </a:ln>
           <a:extLst>
             <a:ext uri="{C572A759-6A51-4108-AA02-DFA0A04FC94B}">
-              <ma14:wrappingTextBoxFlag xmlns:ma14="http://schemas.microsoft.com/office/mac/drawingml/2011/main" xmlns="" val="1"/>
+              <ma14:wrappingTextBoxFlag xmlns="" xmlns:ma14="http://schemas.microsoft.com/office/mac/drawingml/2011/main" val="1"/>
             </a:ext>
           </a:extLst>
         </p:spPr>
@@ -26064,7 +26076,7 @@
           </a:ln>
           <a:extLst>
             <a:ext uri="{C572A759-6A51-4108-AA02-DFA0A04FC94B}">
-              <ma14:wrappingTextBoxFlag xmlns:ma14="http://schemas.microsoft.com/office/mac/drawingml/2011/main" xmlns="" val="1"/>
+              <ma14:wrappingTextBoxFlag xmlns="" xmlns:ma14="http://schemas.microsoft.com/office/mac/drawingml/2011/main" val="1"/>
             </a:ext>
           </a:extLst>
         </p:spPr>
@@ -26184,7 +26196,7 @@
             <a:effectLst/>
             <a:extLst>
               <a:ext uri="{C572A759-6A51-4108-AA02-DFA0A04FC94B}">
-                <ma14:wrappingTextBoxFlag xmlns:ma14="http://schemas.microsoft.com/office/mac/drawingml/2011/main" xmlns="" val="1"/>
+                <ma14:wrappingTextBoxFlag xmlns="" xmlns:ma14="http://schemas.microsoft.com/office/mac/drawingml/2011/main" val="1"/>
               </a:ext>
             </a:extLst>
           </p:spPr>
@@ -26228,7 +26240,7 @@
           </a:ln>
           <a:extLst>
             <a:ext uri="{C572A759-6A51-4108-AA02-DFA0A04FC94B}">
-              <ma14:wrappingTextBoxFlag xmlns:ma14="http://schemas.microsoft.com/office/mac/drawingml/2011/main" xmlns="" val="1"/>
+              <ma14:wrappingTextBoxFlag xmlns="" xmlns:ma14="http://schemas.microsoft.com/office/mac/drawingml/2011/main" val="1"/>
             </a:ext>
           </a:extLst>
         </p:spPr>
@@ -26378,7 +26390,7 @@
             <a:effectLst/>
             <a:extLst>
               <a:ext uri="{C572A759-6A51-4108-AA02-DFA0A04FC94B}">
-                <ma14:wrappingTextBoxFlag xmlns:ma14="http://schemas.microsoft.com/office/mac/drawingml/2011/main" xmlns="" val="1"/>
+                <ma14:wrappingTextBoxFlag xmlns="" xmlns:ma14="http://schemas.microsoft.com/office/mac/drawingml/2011/main" val="1"/>
               </a:ext>
             </a:extLst>
           </p:spPr>
@@ -26422,7 +26434,7 @@
           </a:ln>
           <a:extLst>
             <a:ext uri="{C572A759-6A51-4108-AA02-DFA0A04FC94B}">
-              <ma14:wrappingTextBoxFlag xmlns:ma14="http://schemas.microsoft.com/office/mac/drawingml/2011/main" xmlns="" val="1"/>
+              <ma14:wrappingTextBoxFlag xmlns="" xmlns:ma14="http://schemas.microsoft.com/office/mac/drawingml/2011/main" val="1"/>
             </a:ext>
           </a:extLst>
         </p:spPr>
@@ -26473,7 +26485,7 @@
           </a:ln>
           <a:extLst>
             <a:ext uri="{C572A759-6A51-4108-AA02-DFA0A04FC94B}">
-              <ma14:wrappingTextBoxFlag xmlns:ma14="http://schemas.microsoft.com/office/mac/drawingml/2011/main" xmlns="" val="1"/>
+              <ma14:wrappingTextBoxFlag xmlns="" xmlns:ma14="http://schemas.microsoft.com/office/mac/drawingml/2011/main" val="1"/>
             </a:ext>
           </a:extLst>
         </p:spPr>
@@ -26611,7 +26623,7 @@
           </a:ln>
           <a:extLst>
             <a:ext uri="{C572A759-6A51-4108-AA02-DFA0A04FC94B}">
-              <ma14:wrappingTextBoxFlag xmlns:ma14="http://schemas.microsoft.com/office/mac/drawingml/2011/main" xmlns="" val="1"/>
+              <ma14:wrappingTextBoxFlag xmlns="" xmlns:ma14="http://schemas.microsoft.com/office/mac/drawingml/2011/main" val="1"/>
             </a:ext>
           </a:extLst>
         </p:spPr>
